--- a/aws_sra_examples/solutions/genai/bedrock_org/documentation/bedrock-org.pptx
+++ b/aws_sra_examples/solutions/genai/bedrock_org/documentation/bedrock-org.pptx
@@ -116,6 +116,9 @@
           </p14:sldIdLst>
         </p14:section>
       </p14:sectionLst>
+    </p:ext>
+    <p:ext uri="{EFAFB233-063F-42B5-8137-9DF3F51BA10A}">
+      <p15:sldGuideLst xmlns:p15="http://schemas.microsoft.com/office/powerpoint/2012/main"/>
     </p:ext>
   </p:extLst>
 </p:presentation>
@@ -5250,13 +5253,14 @@
           </p:cNvPr>
           <p:cNvCxnSpPr>
             <a:cxnSpLocks/>
+            <a:endCxn id="51" idx="3"/>
           </p:cNvCxnSpPr>
           <p:nvPr/>
         </p:nvCxnSpPr>
         <p:spPr>
-          <a:xfrm flipV="1">
-            <a:off x="3702680" y="1390127"/>
-            <a:ext cx="5428" cy="344464"/>
+          <a:xfrm flipH="1" flipV="1">
+            <a:off x="3223237" y="1522872"/>
+            <a:ext cx="177331" cy="185253"/>
           </a:xfrm>
           <a:prstGeom prst="straightConnector1">
             <a:avLst/>
@@ -5309,7 +5313,7 @@
         </p:blipFill>
         <p:spPr bwMode="auto">
           <a:xfrm>
-            <a:off x="3322255" y="988265"/>
+            <a:off x="2822144" y="1070210"/>
             <a:ext cx="457200" cy="457200"/>
           </a:xfrm>
           <a:prstGeom prst="rect">
@@ -5354,7 +5358,7 @@
         </p:nvSpPr>
         <p:spPr>
           <a:xfrm>
-            <a:off x="3248166" y="1310122"/>
+            <a:off x="2748055" y="1392067"/>
             <a:ext cx="475182" cy="261610"/>
           </a:xfrm>
           <a:prstGeom prst="rect">
@@ -5469,7 +5473,7 @@
         </p:nvSpPr>
         <p:spPr>
           <a:xfrm>
-            <a:off x="3217334" y="961734"/>
+            <a:off x="2717223" y="1043679"/>
             <a:ext cx="253435" cy="212902"/>
           </a:xfrm>
           <a:prstGeom prst="ellipse">
@@ -5711,8 +5715,8 @@
         </p:nvCxnSpPr>
         <p:spPr>
           <a:xfrm flipV="1">
-            <a:off x="3942268" y="1857667"/>
-            <a:ext cx="660237" cy="154443"/>
+            <a:off x="3921703" y="1885552"/>
+            <a:ext cx="489707" cy="45248"/>
           </a:xfrm>
           <a:prstGeom prst="straightConnector1">
             <a:avLst/>
@@ -5806,7 +5810,7 @@
         </p:blipFill>
         <p:spPr bwMode="auto">
           <a:xfrm>
-            <a:off x="2685002" y="1012263"/>
+            <a:off x="4743053" y="1897139"/>
             <a:ext cx="457200" cy="457200"/>
           </a:xfrm>
           <a:prstGeom prst="rect">
@@ -5851,7 +5855,7 @@
         </p:nvSpPr>
         <p:spPr>
           <a:xfrm>
-            <a:off x="2474683" y="1397430"/>
+            <a:off x="4532734" y="2282306"/>
             <a:ext cx="917042" cy="261610"/>
           </a:xfrm>
           <a:prstGeom prst="rect">
@@ -5966,7 +5970,7 @@
         </p:nvSpPr>
         <p:spPr>
           <a:xfrm>
-            <a:off x="2578222" y="973467"/>
+            <a:off x="4636273" y="1858343"/>
             <a:ext cx="253435" cy="212902"/>
           </a:xfrm>
           <a:prstGeom prst="ellipse">
@@ -6027,9 +6031,9 @@
           <p:nvPr/>
         </p:nvCxnSpPr>
         <p:spPr>
-          <a:xfrm>
-            <a:off x="3058473" y="1644833"/>
-            <a:ext cx="320882" cy="224606"/>
+          <a:xfrm flipH="1" flipV="1">
+            <a:off x="3937401" y="2018880"/>
+            <a:ext cx="785862" cy="166891"/>
           </a:xfrm>
           <a:prstGeom prst="straightConnector1">
             <a:avLst/>
@@ -7859,7 +7863,7 @@
         </p:blipFill>
         <p:spPr>
           <a:xfrm>
-            <a:off x="5233044" y="1857667"/>
+            <a:off x="5574741" y="1885552"/>
             <a:ext cx="411096" cy="396902"/>
           </a:xfrm>
           <a:prstGeom prst="rect">
@@ -7881,7 +7885,7 @@
         </p:nvSpPr>
         <p:spPr>
           <a:xfrm>
-            <a:off x="4858026" y="2194895"/>
+            <a:off x="5199723" y="2222780"/>
             <a:ext cx="1103001" cy="430887"/>
           </a:xfrm>
           <a:prstGeom prst="rect">
@@ -8020,7 +8024,7 @@
         </p:blipFill>
         <p:spPr bwMode="auto">
           <a:xfrm>
-            <a:off x="6051286" y="1816795"/>
+            <a:off x="6303427" y="1844637"/>
             <a:ext cx="457200" cy="457200"/>
           </a:xfrm>
           <a:prstGeom prst="rect">
@@ -8065,7 +8069,7 @@
         </p:nvSpPr>
         <p:spPr>
           <a:xfrm>
-            <a:off x="5840967" y="2201962"/>
+            <a:off x="6093108" y="2229804"/>
             <a:ext cx="917042" cy="261610"/>
           </a:xfrm>
           <a:prstGeom prst="rect">
@@ -8180,7 +8184,7 @@
         </p:nvSpPr>
         <p:spPr>
           <a:xfrm>
-            <a:off x="6314409" y="1723823"/>
+            <a:off x="6566550" y="1751665"/>
             <a:ext cx="253435" cy="212902"/>
           </a:xfrm>
           <a:prstGeom prst="ellipse">
@@ -8240,7 +8244,7 @@
         </p:nvSpPr>
         <p:spPr>
           <a:xfrm>
-            <a:off x="5185018" y="1775249"/>
+            <a:off x="5442919" y="1874790"/>
             <a:ext cx="253435" cy="212902"/>
           </a:xfrm>
           <a:prstGeom prst="ellipse">
@@ -9619,6 +9623,47 @@
           </a:p>
         </p:txBody>
       </p:sp>
+      <p:cxnSp>
+        <p:nvCxnSpPr>
+          <p:cNvPr id="14" name="Straight Arrow Connector 13">
+            <a:extLst>
+              <a:ext uri="{FF2B5EF4-FFF2-40B4-BE49-F238E27FC236}">
+                <a16:creationId xmlns:a16="http://schemas.microsoft.com/office/drawing/2014/main" id="{D8B06535-4CF7-9485-F41D-3F0D5CC7E93B}"/>
+              </a:ext>
+            </a:extLst>
+          </p:cNvPr>
+          <p:cNvCxnSpPr>
+            <a:cxnSpLocks/>
+          </p:cNvCxnSpPr>
+          <p:nvPr/>
+        </p:nvCxnSpPr>
+        <p:spPr>
+          <a:xfrm>
+            <a:off x="6005071" y="1715741"/>
+            <a:ext cx="268136" cy="246139"/>
+          </a:xfrm>
+          <a:prstGeom prst="straightConnector1">
+            <a:avLst/>
+          </a:prstGeom>
+          <a:ln>
+            <a:tailEnd type="triangle"/>
+          </a:ln>
+        </p:spPr>
+        <p:style>
+          <a:lnRef idx="1">
+            <a:schemeClr val="dk1"/>
+          </a:lnRef>
+          <a:fillRef idx="0">
+            <a:schemeClr val="dk1"/>
+          </a:fillRef>
+          <a:effectRef idx="0">
+            <a:schemeClr val="dk1"/>
+          </a:effectRef>
+          <a:fontRef idx="minor">
+            <a:schemeClr val="tx1"/>
+          </a:fontRef>
+        </p:style>
+      </p:cxnSp>
     </p:spTree>
     <p:extLst>
       <p:ext uri="{BB962C8B-B14F-4D97-AF65-F5344CB8AC3E}">
